--- a/Note_for_pdcch_cce_index.pptx
+++ b/Note_for_pdcch_cce_index.pptx
@@ -260,7 +260,7 @@
           <a:p>
             <a:fld id="{422C402A-C01A-4CB1-AE95-C66DBC047CFB}" type="datetimeFigureOut">
               <a:rPr lang="zh-TW" altLang="en-US" smtClean="0"/>
-              <a:t>2024/5/23</a:t>
+              <a:t>2024/5/24</a:t>
             </a:fld>
             <a:endParaRPr lang="zh-TW" altLang="en-US"/>
           </a:p>
@@ -458,7 +458,7 @@
           <a:p>
             <a:fld id="{422C402A-C01A-4CB1-AE95-C66DBC047CFB}" type="datetimeFigureOut">
               <a:rPr lang="zh-TW" altLang="en-US" smtClean="0"/>
-              <a:t>2024/5/23</a:t>
+              <a:t>2024/5/24</a:t>
             </a:fld>
             <a:endParaRPr lang="zh-TW" altLang="en-US"/>
           </a:p>
@@ -666,7 +666,7 @@
           <a:p>
             <a:fld id="{422C402A-C01A-4CB1-AE95-C66DBC047CFB}" type="datetimeFigureOut">
               <a:rPr lang="zh-TW" altLang="en-US" smtClean="0"/>
-              <a:t>2024/5/23</a:t>
+              <a:t>2024/5/24</a:t>
             </a:fld>
             <a:endParaRPr lang="zh-TW" altLang="en-US"/>
           </a:p>
@@ -864,7 +864,7 @@
           <a:p>
             <a:fld id="{422C402A-C01A-4CB1-AE95-C66DBC047CFB}" type="datetimeFigureOut">
               <a:rPr lang="zh-TW" altLang="en-US" smtClean="0"/>
-              <a:t>2024/5/23</a:t>
+              <a:t>2024/5/24</a:t>
             </a:fld>
             <a:endParaRPr lang="zh-TW" altLang="en-US"/>
           </a:p>
@@ -1139,7 +1139,7 @@
           <a:p>
             <a:fld id="{422C402A-C01A-4CB1-AE95-C66DBC047CFB}" type="datetimeFigureOut">
               <a:rPr lang="zh-TW" altLang="en-US" smtClean="0"/>
-              <a:t>2024/5/23</a:t>
+              <a:t>2024/5/24</a:t>
             </a:fld>
             <a:endParaRPr lang="zh-TW" altLang="en-US"/>
           </a:p>
@@ -1404,7 +1404,7 @@
           <a:p>
             <a:fld id="{422C402A-C01A-4CB1-AE95-C66DBC047CFB}" type="datetimeFigureOut">
               <a:rPr lang="zh-TW" altLang="en-US" smtClean="0"/>
-              <a:t>2024/5/23</a:t>
+              <a:t>2024/5/24</a:t>
             </a:fld>
             <a:endParaRPr lang="zh-TW" altLang="en-US"/>
           </a:p>
@@ -1816,7 +1816,7 @@
           <a:p>
             <a:fld id="{422C402A-C01A-4CB1-AE95-C66DBC047CFB}" type="datetimeFigureOut">
               <a:rPr lang="zh-TW" altLang="en-US" smtClean="0"/>
-              <a:t>2024/5/23</a:t>
+              <a:t>2024/5/24</a:t>
             </a:fld>
             <a:endParaRPr lang="zh-TW" altLang="en-US"/>
           </a:p>
@@ -1957,7 +1957,7 @@
           <a:p>
             <a:fld id="{422C402A-C01A-4CB1-AE95-C66DBC047CFB}" type="datetimeFigureOut">
               <a:rPr lang="zh-TW" altLang="en-US" smtClean="0"/>
-              <a:t>2024/5/23</a:t>
+              <a:t>2024/5/24</a:t>
             </a:fld>
             <a:endParaRPr lang="zh-TW" altLang="en-US"/>
           </a:p>
@@ -2070,7 +2070,7 @@
           <a:p>
             <a:fld id="{422C402A-C01A-4CB1-AE95-C66DBC047CFB}" type="datetimeFigureOut">
               <a:rPr lang="zh-TW" altLang="en-US" smtClean="0"/>
-              <a:t>2024/5/23</a:t>
+              <a:t>2024/5/24</a:t>
             </a:fld>
             <a:endParaRPr lang="zh-TW" altLang="en-US"/>
           </a:p>
@@ -2381,7 +2381,7 @@
           <a:p>
             <a:fld id="{422C402A-C01A-4CB1-AE95-C66DBC047CFB}" type="datetimeFigureOut">
               <a:rPr lang="zh-TW" altLang="en-US" smtClean="0"/>
-              <a:t>2024/5/23</a:t>
+              <a:t>2024/5/24</a:t>
             </a:fld>
             <a:endParaRPr lang="zh-TW" altLang="en-US"/>
           </a:p>
@@ -2669,7 +2669,7 @@
           <a:p>
             <a:fld id="{422C402A-C01A-4CB1-AE95-C66DBC047CFB}" type="datetimeFigureOut">
               <a:rPr lang="zh-TW" altLang="en-US" smtClean="0"/>
-              <a:t>2024/5/23</a:t>
+              <a:t>2024/5/24</a:t>
             </a:fld>
             <a:endParaRPr lang="zh-TW" altLang="en-US"/>
           </a:p>
@@ -2910,7 +2910,7 @@
           <a:p>
             <a:fld id="{422C402A-C01A-4CB1-AE95-C66DBC047CFB}" type="datetimeFigureOut">
               <a:rPr lang="zh-TW" altLang="en-US" smtClean="0"/>
-              <a:t>2024/5/23</a:t>
+              <a:t>2024/5/24</a:t>
             </a:fld>
             <a:endParaRPr lang="zh-TW" altLang="en-US"/>
           </a:p>
@@ -5193,7 +5193,7 @@
             <a:r>
               <a:rPr lang="zh-TW" altLang="en-US" sz="1000" dirty="0">
                 <a:solidFill>
-                  <a:srgbClr val="00B050"/>
+                  <a:srgbClr val="92D050"/>
                 </a:solidFill>
               </a:rPr>
               <a:t>                    Aggregation Level: 2  //【4】Aggregation Level</a:t>
@@ -5209,7 +5209,7 @@
             <a:r>
               <a:rPr lang="zh-TW" altLang="en-US" sz="1000" dirty="0">
                 <a:solidFill>
-                  <a:schemeClr val="accent4"/>
+                  <a:srgbClr val="00B050"/>
                 </a:solidFill>
               </a:rPr>
               <a:t>                    Number of Candidate for AL = 2: 4  //【5】Number of Candidate for AL</a:t>
@@ -5341,7 +5341,7 @@
         </p:nvSpPr>
         <p:spPr>
           <a:xfrm>
-            <a:off x="4910555" y="5232202"/>
+            <a:off x="4743501" y="5117902"/>
             <a:ext cx="1773242" cy="707886"/>
           </a:xfrm>
           <a:prstGeom prst="rect">

--- a/Note_for_pdcch_cce_index.pptx
+++ b/Note_for_pdcch_cce_index.pptx
@@ -5407,6 +5407,30 @@
           </a:p>
         </p:txBody>
       </p:sp>
+      <p:pic>
+        <p:nvPicPr>
+          <p:cNvPr id="7" name="圖片 6"/>
+          <p:cNvPicPr>
+            <a:picLocks noChangeAspect="1"/>
+          </p:cNvPicPr>
+          <p:nvPr/>
+        </p:nvPicPr>
+        <p:blipFill>
+          <a:blip r:embed="rId2"/>
+          <a:stretch>
+            <a:fillRect/>
+          </a:stretch>
+        </p:blipFill>
+        <p:spPr>
+          <a:xfrm>
+            <a:off x="2667822" y="169985"/>
+            <a:ext cx="3638550" cy="609600"/>
+          </a:xfrm>
+          <a:prstGeom prst="rect">
+            <a:avLst/>
+          </a:prstGeom>
+        </p:spPr>
+      </p:pic>
     </p:spTree>
     <p:extLst>
       <p:ext uri="{BB962C8B-B14F-4D97-AF65-F5344CB8AC3E}">

--- a/Note_for_pdcch_cce_index.pptx
+++ b/Note_for_pdcch_cce_index.pptx
@@ -5016,7 +5016,7 @@
         <p:spPr>
           <a:xfrm>
             <a:off x="0" y="0"/>
-            <a:ext cx="6096000" cy="5940088"/>
+            <a:ext cx="6096000" cy="5478423"/>
           </a:xfrm>
           <a:prstGeom prst="rect">
             <a:avLst/>
@@ -5029,14 +5029,12 @@
           <a:lstStyle/>
           <a:p>
             <a:r>
+              <a:rPr lang="zh-TW" altLang="en-US" sz="1000" dirty="0" smtClean="0"/>
+              <a:t>L</a:t>
+            </a:r>
+            <a:r>
               <a:rPr lang="zh-TW" altLang="en-US" sz="1000" dirty="0"/>
-              <a:t>NR INFO</a:t>
-            </a:r>
-          </a:p>
-          <a:p>
-            <a:r>
-              <a:rPr lang="zh-TW" altLang="en-US" sz="1000" dirty="0"/>
-              <a:t>    L1PA Message: DCI_UL</a:t>
+              <a:t>1PA Message: DCI_UL</a:t>
             </a:r>
             <a:r>
               <a:rPr lang="zh-TW" altLang="en-US" sz="1000" dirty="0" smtClean="0"/>
@@ -5132,18 +5130,17 @@
           <a:p>
             <a:r>
               <a:rPr lang="zh-TW" altLang="en-US" sz="1000" dirty="0"/>
-              <a:t>                DCI Format: Format 0_1</a:t>
-            </a:r>
-          </a:p>
-          <a:p>
-            <a:r>
-              <a:rPr lang="zh-TW" altLang="en-US" sz="1000" dirty="0"/>
-              <a:t>                Reserved 1 byte</a:t>
-            </a:r>
-          </a:p>
-          <a:p>
-            <a:r>
-              <a:rPr lang="zh-TW" altLang="en-US" sz="1000" dirty="0">
+              <a:t>                DCI Format: Format 0_</a:t>
+            </a:r>
+            <a:r>
+              <a:rPr lang="zh-TW" altLang="en-US" sz="1000" dirty="0" smtClean="0"/>
+              <a:t>1</a:t>
+            </a:r>
+            <a:endParaRPr lang="en-US" altLang="zh-TW" sz="1000" dirty="0" smtClean="0"/>
+          </a:p>
+          <a:p>
+            <a:r>
+              <a:rPr lang="zh-TW" altLang="en-US" sz="1000" dirty="0" smtClean="0">
                 <a:solidFill>
                   <a:srgbClr val="0070C0"/>
                 </a:solidFill>
@@ -5153,30 +5150,41 @@
           </a:p>
           <a:p>
             <a:r>
+              <a:rPr lang="zh-TW" altLang="en-US" sz="1000" dirty="0" smtClean="0"/>
+              <a:t>                </a:t>
+            </a:r>
+            <a:r>
               <a:rPr lang="zh-TW" altLang="en-US" sz="1000" dirty="0"/>
-              <a:t>                Number of zero padding bits: 0</a:t>
-            </a:r>
-          </a:p>
-          <a:p>
-            <a:r>
-              <a:rPr lang="zh-TW" altLang="en-US" sz="1000" dirty="0"/>
-              <a:t>                Reserved 2 bytes</a:t>
-            </a:r>
-          </a:p>
-          <a:p>
-            <a:r>
-              <a:rPr lang="zh-TW" altLang="en-US" sz="1000" dirty="0"/>
+              <a:t>Number of zero padding bits: </a:t>
+            </a:r>
+            <a:r>
+              <a:rPr lang="zh-TW" altLang="en-US" sz="1000" dirty="0" smtClean="0"/>
+              <a:t>0</a:t>
+            </a:r>
+            <a:endParaRPr lang="en-US" altLang="zh-TW" sz="1000" dirty="0" smtClean="0"/>
+          </a:p>
+          <a:p>
+            <a:r>
+              <a:rPr lang="zh-TW" altLang="en-US" sz="1000" dirty="0" smtClean="0"/>
               <a:t>                Search Space Info:</a:t>
             </a:r>
           </a:p>
           <a:p>
+            <a:r>
+              <a:rPr lang="zh-TW" altLang="en-US" sz="1000" dirty="0" smtClean="0">
+                <a:solidFill>
+                  <a:srgbClr val="00B0F0"/>
+                </a:solidFill>
+              </a:rPr>
+              <a:t>                    </a:t>
+            </a:r>
             <a:r>
               <a:rPr lang="zh-TW" altLang="en-US" sz="1000" dirty="0">
                 <a:solidFill>
                   <a:srgbClr val="00B0F0"/>
                 </a:solidFill>
               </a:rPr>
-              <a:t>                    Search Space type: 1 (UE-Specific search space ) //【3】CS ID(0:CSS, 1:UESS)</a:t>
+              <a:t>Search Space type: 1 (UE-Specific search space ) //【3】CS ID(0:CSS, 1:UESS)</a:t>
             </a:r>
           </a:p>
           <a:p>
@@ -5236,14 +5244,13 @@
           <a:p>
             <a:r>
               <a:rPr lang="zh-TW" altLang="en-US" sz="1000" dirty="0"/>
-              <a:t>                    Monitoring Symbols PDCCH within Slot: 8192</a:t>
-            </a:r>
-          </a:p>
-          <a:p>
-            <a:r>
-              <a:rPr lang="zh-TW" altLang="en-US" sz="1000" dirty="0"/>
-              <a:t>                    Reserved 2 bytes</a:t>
-            </a:r>
+              <a:t>                    Monitoring Symbols PDCCH within Slot: </a:t>
+            </a:r>
+            <a:r>
+              <a:rPr lang="zh-TW" altLang="en-US" sz="1000" dirty="0" smtClean="0"/>
+              <a:t>8192</a:t>
+            </a:r>
+            <a:endParaRPr lang="zh-TW" altLang="en-US" sz="1000" dirty="0"/>
           </a:p>
           <a:p>
             <a:r>
@@ -5341,7 +5348,7 @@
         </p:nvSpPr>
         <p:spPr>
           <a:xfrm>
-            <a:off x="4743501" y="5117902"/>
+            <a:off x="4810714" y="4500193"/>
             <a:ext cx="1773242" cy="707886"/>
           </a:xfrm>
           <a:prstGeom prst="rect">
@@ -5409,7 +5416,7 @@
       </p:sp>
       <p:pic>
         <p:nvPicPr>
-          <p:cNvPr id="7" name="圖片 6"/>
+          <p:cNvPr id="2" name="圖片 1"/>
           <p:cNvPicPr>
             <a:picLocks noChangeAspect="1"/>
           </p:cNvPicPr>
@@ -5423,8 +5430,8 @@
         </p:blipFill>
         <p:spPr>
           <a:xfrm>
-            <a:off x="2667822" y="169985"/>
-            <a:ext cx="3638550" cy="609600"/>
+            <a:off x="2712719" y="103822"/>
+            <a:ext cx="3383281" cy="587427"/>
           </a:xfrm>
           <a:prstGeom prst="rect">
             <a:avLst/>
